--- a/lectures/1-Linear-Regression.pptx
+++ b/lectures/1-Linear-Regression.pptx
@@ -518,7 +518,7 @@
           <a:p>
             <a:fld id="{3A6A60E7-F3C6-1F46-ACE0-7B3C85EEBC4C}" type="datetimeFigureOut">
               <a:rPr lang="en-US" smtClean="0"/>
-              <a:t>5/22/20</a:t>
+              <a:t>5/23/20</a:t>
             </a:fld>
             <a:endParaRPr lang="en-US"/>
           </a:p>
@@ -1533,7 +1533,7 @@
           <a:p>
             <a:fld id="{59F6D30A-F2B3-334F-A9F5-80C68D11EE78}" type="datetimeFigureOut">
               <a:rPr lang="en-US" smtClean="0"/>
-              <a:t>5/22/20</a:t>
+              <a:t>5/23/20</a:t>
             </a:fld>
             <a:endParaRPr lang="en-US"/>
           </a:p>
@@ -1731,7 +1731,7 @@
           <a:p>
             <a:fld id="{59F6D30A-F2B3-334F-A9F5-80C68D11EE78}" type="datetimeFigureOut">
               <a:rPr lang="en-US" smtClean="0"/>
-              <a:t>5/22/20</a:t>
+              <a:t>5/23/20</a:t>
             </a:fld>
             <a:endParaRPr lang="en-US"/>
           </a:p>
@@ -1939,7 +1939,7 @@
           <a:p>
             <a:fld id="{59F6D30A-F2B3-334F-A9F5-80C68D11EE78}" type="datetimeFigureOut">
               <a:rPr lang="en-US" smtClean="0"/>
-              <a:t>5/22/20</a:t>
+              <a:t>5/23/20</a:t>
             </a:fld>
             <a:endParaRPr lang="en-US"/>
           </a:p>
@@ -2137,7 +2137,7 @@
           <a:p>
             <a:fld id="{59F6D30A-F2B3-334F-A9F5-80C68D11EE78}" type="datetimeFigureOut">
               <a:rPr lang="en-US" smtClean="0"/>
-              <a:t>5/22/20</a:t>
+              <a:t>5/23/20</a:t>
             </a:fld>
             <a:endParaRPr lang="en-US"/>
           </a:p>
@@ -2412,7 +2412,7 @@
           <a:p>
             <a:fld id="{59F6D30A-F2B3-334F-A9F5-80C68D11EE78}" type="datetimeFigureOut">
               <a:rPr lang="en-US" smtClean="0"/>
-              <a:t>5/22/20</a:t>
+              <a:t>5/23/20</a:t>
             </a:fld>
             <a:endParaRPr lang="en-US"/>
           </a:p>
@@ -2677,7 +2677,7 @@
           <a:p>
             <a:fld id="{59F6D30A-F2B3-334F-A9F5-80C68D11EE78}" type="datetimeFigureOut">
               <a:rPr lang="en-US" smtClean="0"/>
-              <a:t>5/22/20</a:t>
+              <a:t>5/23/20</a:t>
             </a:fld>
             <a:endParaRPr lang="en-US"/>
           </a:p>
@@ -3089,7 +3089,7 @@
           <a:p>
             <a:fld id="{59F6D30A-F2B3-334F-A9F5-80C68D11EE78}" type="datetimeFigureOut">
               <a:rPr lang="en-US" smtClean="0"/>
-              <a:t>5/22/20</a:t>
+              <a:t>5/23/20</a:t>
             </a:fld>
             <a:endParaRPr lang="en-US"/>
           </a:p>
@@ -3230,7 +3230,7 @@
           <a:p>
             <a:fld id="{59F6D30A-F2B3-334F-A9F5-80C68D11EE78}" type="datetimeFigureOut">
               <a:rPr lang="en-US" smtClean="0"/>
-              <a:t>5/22/20</a:t>
+              <a:t>5/23/20</a:t>
             </a:fld>
             <a:endParaRPr lang="en-US"/>
           </a:p>
@@ -3343,7 +3343,7 @@
           <a:p>
             <a:fld id="{59F6D30A-F2B3-334F-A9F5-80C68D11EE78}" type="datetimeFigureOut">
               <a:rPr lang="en-US" smtClean="0"/>
-              <a:t>5/22/20</a:t>
+              <a:t>5/23/20</a:t>
             </a:fld>
             <a:endParaRPr lang="en-US"/>
           </a:p>
@@ -3654,7 +3654,7 @@
           <a:p>
             <a:fld id="{59F6D30A-F2B3-334F-A9F5-80C68D11EE78}" type="datetimeFigureOut">
               <a:rPr lang="en-US" smtClean="0"/>
-              <a:t>5/22/20</a:t>
+              <a:t>5/23/20</a:t>
             </a:fld>
             <a:endParaRPr lang="en-US"/>
           </a:p>
@@ -3942,7 +3942,7 @@
           <a:p>
             <a:fld id="{59F6D30A-F2B3-334F-A9F5-80C68D11EE78}" type="datetimeFigureOut">
               <a:rPr lang="en-US" smtClean="0"/>
-              <a:t>5/22/20</a:t>
+              <a:t>5/23/20</a:t>
             </a:fld>
             <a:endParaRPr lang="en-US"/>
           </a:p>
@@ -4183,7 +4183,7 @@
           <a:p>
             <a:fld id="{59F6D30A-F2B3-334F-A9F5-80C68D11EE78}" type="datetimeFigureOut">
               <a:rPr lang="en-US" smtClean="0"/>
-              <a:t>5/22/20</a:t>
+              <a:t>5/23/20</a:t>
             </a:fld>
             <a:endParaRPr lang="en-US"/>
           </a:p>
@@ -4672,8 +4672,13 @@
             </a:br>
             <a:r>
               <a:rPr lang="en-US" dirty="0"/>
-              <a:t>Lecture 3: Linear and Logistic Regression</a:t>
-            </a:r>
+              <a:t>Lecture 1</a:t>
+            </a:r>
+            <a:r>
+              <a:rPr lang="en-US"/>
+              <a:t>: Linear Regression</a:t>
+            </a:r>
+            <a:endParaRPr lang="en-US" dirty="0"/>
           </a:p>
         </p:txBody>
       </p:sp>
